--- a/Presentation1.pptx
+++ b/Presentation1.pptx
@@ -12,6 +12,11 @@
     <p:sldId id="260" r:id="rId6"/>
     <p:sldId id="261" r:id="rId7"/>
     <p:sldId id="262" r:id="rId8"/>
+    <p:sldId id="264" r:id="rId9"/>
+    <p:sldId id="267" r:id="rId10"/>
+    <p:sldId id="263" r:id="rId11"/>
+    <p:sldId id="265" r:id="rId12"/>
+    <p:sldId id="266" r:id="rId13"/>
   </p:sldIdLst>
   <p:sldSz cx="12192000" cy="6858000"/>
   <p:notesSz cx="6858000" cy="9144000"/>
@@ -110,6 +115,11 @@
       </a:defRPr>
     </a:lvl9pPr>
   </p:defaultTextStyle>
+  <p:extLst>
+    <p:ext uri="{EFAFB233-063F-42B5-8137-9DF3F51BA10A}">
+      <p15:sldGuideLst xmlns:p15="http://schemas.microsoft.com/office/powerpoint/2012/main"/>
+    </p:ext>
+  </p:extLst>
 </p:presentation>
 </file>
 
@@ -445,7 +455,7 @@
             <a:fld id="{B61BEF0D-F0BB-DE4B-95CE-6DB70DBA9567}" type="datetimeFigureOut">
               <a:rPr lang="en-US" dirty="0"/>
               <a:pPr/>
-              <a:t>11/28/20</a:t>
+              <a:t>12/3/20</a:t>
             </a:fld>
             <a:endParaRPr lang="en-US" dirty="0"/>
           </a:p>
@@ -766,7 +776,7 @@
             <a:fld id="{B61BEF0D-F0BB-DE4B-95CE-6DB70DBA9567}" type="datetimeFigureOut">
               <a:rPr lang="en-US" dirty="0"/>
               <a:pPr/>
-              <a:t>11/28/20</a:t>
+              <a:t>12/3/20</a:t>
             </a:fld>
             <a:endParaRPr lang="en-US" dirty="0"/>
           </a:p>
@@ -1011,7 +1021,7 @@
             <a:fld id="{B61BEF0D-F0BB-DE4B-95CE-6DB70DBA9567}" type="datetimeFigureOut">
               <a:rPr lang="en-US" dirty="0"/>
               <a:pPr/>
-              <a:t>11/28/20</a:t>
+              <a:t>12/3/20</a:t>
             </a:fld>
             <a:endParaRPr lang="en-US" dirty="0"/>
           </a:p>
@@ -1347,7 +1357,7 @@
             <a:fld id="{B61BEF0D-F0BB-DE4B-95CE-6DB70DBA9567}" type="datetimeFigureOut">
               <a:rPr lang="en-US" dirty="0"/>
               <a:pPr/>
-              <a:t>11/28/20</a:t>
+              <a:t>12/3/20</a:t>
             </a:fld>
             <a:endParaRPr lang="en-US" dirty="0"/>
           </a:p>
@@ -1691,7 +1701,7 @@
             <a:fld id="{B61BEF0D-F0BB-DE4B-95CE-6DB70DBA9567}" type="datetimeFigureOut">
               <a:rPr lang="en-US" dirty="0"/>
               <a:pPr/>
-              <a:t>11/28/20</a:t>
+              <a:t>12/3/20</a:t>
             </a:fld>
             <a:endParaRPr lang="en-US" dirty="0"/>
           </a:p>
@@ -2062,7 +2072,7 @@
             <a:fld id="{B61BEF0D-F0BB-DE4B-95CE-6DB70DBA9567}" type="datetimeFigureOut">
               <a:rPr lang="en-US" dirty="0"/>
               <a:pPr/>
-              <a:t>11/28/20</a:t>
+              <a:t>12/3/20</a:t>
             </a:fld>
             <a:endParaRPr lang="en-US" dirty="0"/>
           </a:p>
@@ -2529,7 +2539,7 @@
             <a:fld id="{B61BEF0D-F0BB-DE4B-95CE-6DB70DBA9567}" type="datetimeFigureOut">
               <a:rPr lang="en-US" dirty="0"/>
               <a:pPr/>
-              <a:t>11/28/20</a:t>
+              <a:t>12/3/20</a:t>
             </a:fld>
             <a:endParaRPr lang="en-US" dirty="0"/>
           </a:p>
@@ -2731,7 +2741,7 @@
             <a:fld id="{B61BEF0D-F0BB-DE4B-95CE-6DB70DBA9567}" type="datetimeFigureOut">
               <a:rPr lang="en-US" dirty="0"/>
               <a:pPr/>
-              <a:t>11/28/20</a:t>
+              <a:t>12/3/20</a:t>
             </a:fld>
             <a:endParaRPr lang="en-US" dirty="0"/>
           </a:p>
@@ -2939,7 +2949,7 @@
             <a:fld id="{B61BEF0D-F0BB-DE4B-95CE-6DB70DBA9567}" type="datetimeFigureOut">
               <a:rPr lang="en-US" dirty="0"/>
               <a:pPr/>
-              <a:t>11/28/20</a:t>
+              <a:t>12/3/20</a:t>
             </a:fld>
             <a:endParaRPr lang="en-US" dirty="0"/>
           </a:p>
@@ -3167,7 +3177,7 @@
           <a:p>
             <a:fld id="{52647F38-B617-4D2F-AE0A-013F0C4D2C57}" type="datetimeFigureOut">
               <a:rPr lang="en-US" dirty="0"/>
-              <a:t>11/28/20</a:t>
+              <a:t>12/3/20</a:t>
             </a:fld>
             <a:endParaRPr lang="en-US" dirty="0"/>
           </a:p>
@@ -3411,7 +3421,7 @@
             <a:fld id="{B61BEF0D-F0BB-DE4B-95CE-6DB70DBA9567}" type="datetimeFigureOut">
               <a:rPr lang="en-US" dirty="0"/>
               <a:pPr/>
-              <a:t>11/28/20</a:t>
+              <a:t>12/3/20</a:t>
             </a:fld>
             <a:endParaRPr lang="en-US" dirty="0"/>
           </a:p>
@@ -3705,7 +3715,7 @@
           <a:p>
             <a:fld id="{05BFA754-D5C3-4E66-96A6-867B257F58DC}" type="datetimeFigureOut">
               <a:rPr lang="en-US" dirty="0"/>
-              <a:t>11/28/20</a:t>
+              <a:t>12/3/20</a:t>
             </a:fld>
             <a:endParaRPr lang="en-US" dirty="0"/>
           </a:p>
@@ -4095,7 +4105,7 @@
             <a:fld id="{B61BEF0D-F0BB-DE4B-95CE-6DB70DBA9567}" type="datetimeFigureOut">
               <a:rPr lang="en-US" dirty="0"/>
               <a:pPr/>
-              <a:t>11/28/20</a:t>
+              <a:t>12/3/20</a:t>
             </a:fld>
             <a:endParaRPr lang="en-US" dirty="0"/>
           </a:p>
@@ -4241,7 +4251,7 @@
             <a:fld id="{B61BEF0D-F0BB-DE4B-95CE-6DB70DBA9567}" type="datetimeFigureOut">
               <a:rPr lang="en-US" dirty="0"/>
               <a:pPr/>
-              <a:t>11/28/20</a:t>
+              <a:t>12/3/20</a:t>
             </a:fld>
             <a:endParaRPr lang="en-US" dirty="0"/>
           </a:p>
@@ -4364,7 +4374,7 @@
             <a:fld id="{B61BEF0D-F0BB-DE4B-95CE-6DB70DBA9567}" type="datetimeFigureOut">
               <a:rPr lang="en-US" dirty="0"/>
               <a:pPr/>
-              <a:t>11/28/20</a:t>
+              <a:t>12/3/20</a:t>
             </a:fld>
             <a:endParaRPr lang="en-US" dirty="0"/>
           </a:p>
@@ -4616,7 +4626,7 @@
             <a:fld id="{B61BEF0D-F0BB-DE4B-95CE-6DB70DBA9567}" type="datetimeFigureOut">
               <a:rPr lang="en-US" dirty="0"/>
               <a:pPr/>
-              <a:t>11/28/20</a:t>
+              <a:t>12/3/20</a:t>
             </a:fld>
             <a:endParaRPr lang="en-US" dirty="0"/>
           </a:p>
@@ -4928,7 +4938,7 @@
             <a:fld id="{B61BEF0D-F0BB-DE4B-95CE-6DB70DBA9567}" type="datetimeFigureOut">
               <a:rPr lang="en-US" dirty="0"/>
               <a:pPr/>
-              <a:t>11/28/20</a:t>
+              <a:t>12/3/20</a:t>
             </a:fld>
             <a:endParaRPr lang="en-US" dirty="0"/>
           </a:p>
@@ -5276,7 +5286,7 @@
             <a:fld id="{B61BEF0D-F0BB-DE4B-95CE-6DB70DBA9567}" type="datetimeFigureOut">
               <a:rPr lang="en-US" dirty="0"/>
               <a:pPr/>
-              <a:t>11/28/20</a:t>
+              <a:t>12/3/20</a:t>
             </a:fld>
             <a:endParaRPr lang="en-US" dirty="0"/>
           </a:p>
@@ -5869,28 +5879,28 @@
             <a:pPr algn="r"/>
             <a:r>
               <a:rPr lang="en-US" dirty="0"/>
-              <a:t>Haitham</a:t>
+              <a:t>Haitham Mostafa</a:t>
             </a:r>
           </a:p>
           <a:p>
             <a:pPr algn="r"/>
             <a:r>
               <a:rPr lang="en-US" dirty="0"/>
-              <a:t>Snejana</a:t>
+              <a:t>Snejana Balabanova</a:t>
             </a:r>
           </a:p>
           <a:p>
             <a:pPr algn="r"/>
             <a:r>
               <a:rPr lang="en-US" dirty="0"/>
-              <a:t>Neb</a:t>
+              <a:t>Nebeyu Zewdie</a:t>
             </a:r>
           </a:p>
           <a:p>
             <a:pPr algn="r"/>
             <a:r>
               <a:rPr lang="en-US" dirty="0"/>
-              <a:t>Zaheer</a:t>
+              <a:t>Zaheer Rizvi</a:t>
             </a:r>
           </a:p>
         </p:txBody>
@@ -5950,6 +5960,288 @@
     <p:extLst>
       <p:ext uri="{BB962C8B-B14F-4D97-AF65-F5344CB8AC3E}">
         <p14:creationId xmlns:p14="http://schemas.microsoft.com/office/powerpoint/2010/main" val="1914096964"/>
+      </p:ext>
+    </p:extLst>
+  </p:cSld>
+  <p:clrMapOvr>
+    <a:masterClrMapping/>
+  </p:clrMapOvr>
+</p:sld>
+</file>
+
+<file path=ppt/slides/slide10.xml><?xml version="1.0" encoding="utf-8"?>
+<p:sld xmlns:a="http://schemas.openxmlformats.org/drawingml/2006/main" xmlns:r="http://schemas.openxmlformats.org/officeDocument/2006/relationships" xmlns:p="http://schemas.openxmlformats.org/presentationml/2006/main">
+  <p:cSld>
+    <p:spTree>
+      <p:nvGrpSpPr>
+        <p:cNvPr id="1" name=""/>
+        <p:cNvGrpSpPr/>
+        <p:nvPr/>
+      </p:nvGrpSpPr>
+      <p:grpSpPr>
+        <a:xfrm>
+          <a:off x="0" y="0"/>
+          <a:ext cx="0" cy="0"/>
+          <a:chOff x="0" y="0"/>
+          <a:chExt cx="0" cy="0"/>
+        </a:xfrm>
+      </p:grpSpPr>
+      <p:sp>
+        <p:nvSpPr>
+          <p:cNvPr id="2" name="Title 1">
+            <a:extLst>
+              <a:ext uri="{FF2B5EF4-FFF2-40B4-BE49-F238E27FC236}">
+                <a16:creationId xmlns:a16="http://schemas.microsoft.com/office/drawing/2014/main" id="{8BE674B2-DE15-7B4D-9966-C8200CE9459F}"/>
+              </a:ext>
+            </a:extLst>
+          </p:cNvPr>
+          <p:cNvSpPr>
+            <a:spLocks noGrp="1"/>
+          </p:cNvSpPr>
+          <p:nvPr>
+            <p:ph type="title"/>
+          </p:nvPr>
+        </p:nvSpPr>
+        <p:spPr>
+          <a:xfrm>
+            <a:off x="1295401" y="626723"/>
+            <a:ext cx="9601196" cy="1083923"/>
+          </a:xfrm>
+        </p:spPr>
+        <p:txBody>
+          <a:bodyPr/>
+          <a:lstStyle/>
+          <a:p>
+            <a:r>
+              <a:rPr lang="en-US" dirty="0"/>
+              <a:t>Multiple Layer Neural Network</a:t>
+            </a:r>
+          </a:p>
+        </p:txBody>
+      </p:sp>
+      <p:pic>
+        <p:nvPicPr>
+          <p:cNvPr id="5" name="Content Placeholder 4">
+            <a:extLst>
+              <a:ext uri="{FF2B5EF4-FFF2-40B4-BE49-F238E27FC236}">
+                <a16:creationId xmlns:a16="http://schemas.microsoft.com/office/drawing/2014/main" id="{4FD4CA9E-8631-F741-B183-20191F1FE319}"/>
+              </a:ext>
+            </a:extLst>
+          </p:cNvPr>
+          <p:cNvPicPr>
+            <a:picLocks noGrp="1" noChangeAspect="1"/>
+          </p:cNvPicPr>
+          <p:nvPr>
+            <p:ph idx="1"/>
+          </p:nvPr>
+        </p:nvPicPr>
+        <p:blipFill>
+          <a:blip r:embed="rId2"/>
+          <a:stretch>
+            <a:fillRect/>
+          </a:stretch>
+        </p:blipFill>
+        <p:spPr>
+          <a:xfrm>
+            <a:off x="925532" y="1505162"/>
+            <a:ext cx="3790306" cy="4785832"/>
+          </a:xfrm>
+        </p:spPr>
+      </p:pic>
+      <p:pic>
+        <p:nvPicPr>
+          <p:cNvPr id="7" name="Picture 6">
+            <a:extLst>
+              <a:ext uri="{FF2B5EF4-FFF2-40B4-BE49-F238E27FC236}">
+                <a16:creationId xmlns:a16="http://schemas.microsoft.com/office/drawing/2014/main" id="{38ED12C7-F91C-B34F-9F10-06434F38B94A}"/>
+              </a:ext>
+            </a:extLst>
+          </p:cNvPr>
+          <p:cNvPicPr>
+            <a:picLocks noChangeAspect="1"/>
+          </p:cNvPicPr>
+          <p:nvPr/>
+        </p:nvPicPr>
+        <p:blipFill>
+          <a:blip r:embed="rId3"/>
+          <a:stretch>
+            <a:fillRect/>
+          </a:stretch>
+        </p:blipFill>
+        <p:spPr>
+          <a:xfrm>
+            <a:off x="5055739" y="3211722"/>
+            <a:ext cx="5840858" cy="1364983"/>
+          </a:xfrm>
+          <a:prstGeom prst="rect">
+            <a:avLst/>
+          </a:prstGeom>
+        </p:spPr>
+      </p:pic>
+    </p:spTree>
+    <p:extLst>
+      <p:ext uri="{BB962C8B-B14F-4D97-AF65-F5344CB8AC3E}">
+        <p14:creationId xmlns:p14="http://schemas.microsoft.com/office/powerpoint/2010/main" val="102145384"/>
+      </p:ext>
+    </p:extLst>
+  </p:cSld>
+  <p:clrMapOvr>
+    <a:masterClrMapping/>
+  </p:clrMapOvr>
+</p:sld>
+</file>
+
+<file path=ppt/slides/slide11.xml><?xml version="1.0" encoding="utf-8"?>
+<p:sld xmlns:a="http://schemas.openxmlformats.org/drawingml/2006/main" xmlns:r="http://schemas.openxmlformats.org/officeDocument/2006/relationships" xmlns:p="http://schemas.openxmlformats.org/presentationml/2006/main">
+  <p:cSld>
+    <p:spTree>
+      <p:nvGrpSpPr>
+        <p:cNvPr id="1" name=""/>
+        <p:cNvGrpSpPr/>
+        <p:nvPr/>
+      </p:nvGrpSpPr>
+      <p:grpSpPr>
+        <a:xfrm>
+          <a:off x="0" y="0"/>
+          <a:ext cx="0" cy="0"/>
+          <a:chOff x="0" y="0"/>
+          <a:chExt cx="0" cy="0"/>
+        </a:xfrm>
+      </p:grpSpPr>
+      <p:sp>
+        <p:nvSpPr>
+          <p:cNvPr id="2" name="Title 1">
+            <a:extLst>
+              <a:ext uri="{FF2B5EF4-FFF2-40B4-BE49-F238E27FC236}">
+                <a16:creationId xmlns:a16="http://schemas.microsoft.com/office/drawing/2014/main" id="{66CC5C2F-FA84-7144-B7C7-08417EC18CC3}"/>
+              </a:ext>
+            </a:extLst>
+          </p:cNvPr>
+          <p:cNvSpPr>
+            <a:spLocks noGrp="1"/>
+          </p:cNvSpPr>
+          <p:nvPr>
+            <p:ph type="title"/>
+          </p:nvPr>
+        </p:nvSpPr>
+        <p:spPr/>
+        <p:txBody>
+          <a:bodyPr/>
+          <a:lstStyle/>
+          <a:p>
+            <a:endParaRPr lang="en-US"/>
+          </a:p>
+        </p:txBody>
+      </p:sp>
+      <p:sp>
+        <p:nvSpPr>
+          <p:cNvPr id="3" name="Content Placeholder 2">
+            <a:extLst>
+              <a:ext uri="{FF2B5EF4-FFF2-40B4-BE49-F238E27FC236}">
+                <a16:creationId xmlns:a16="http://schemas.microsoft.com/office/drawing/2014/main" id="{CEA628BD-110F-B242-B04A-B532B073A472}"/>
+              </a:ext>
+            </a:extLst>
+          </p:cNvPr>
+          <p:cNvSpPr>
+            <a:spLocks noGrp="1"/>
+          </p:cNvSpPr>
+          <p:nvPr>
+            <p:ph idx="1"/>
+          </p:nvPr>
+        </p:nvSpPr>
+        <p:spPr/>
+        <p:txBody>
+          <a:bodyPr/>
+          <a:lstStyle/>
+          <a:p>
+            <a:endParaRPr lang="en-US"/>
+          </a:p>
+        </p:txBody>
+      </p:sp>
+    </p:spTree>
+    <p:extLst>
+      <p:ext uri="{BB962C8B-B14F-4D97-AF65-F5344CB8AC3E}">
+        <p14:creationId xmlns:p14="http://schemas.microsoft.com/office/powerpoint/2010/main" val="552956791"/>
+      </p:ext>
+    </p:extLst>
+  </p:cSld>
+  <p:clrMapOvr>
+    <a:masterClrMapping/>
+  </p:clrMapOvr>
+</p:sld>
+</file>
+
+<file path=ppt/slides/slide12.xml><?xml version="1.0" encoding="utf-8"?>
+<p:sld xmlns:a="http://schemas.openxmlformats.org/drawingml/2006/main" xmlns:r="http://schemas.openxmlformats.org/officeDocument/2006/relationships" xmlns:p="http://schemas.openxmlformats.org/presentationml/2006/main">
+  <p:cSld>
+    <p:spTree>
+      <p:nvGrpSpPr>
+        <p:cNvPr id="1" name=""/>
+        <p:cNvGrpSpPr/>
+        <p:nvPr/>
+      </p:nvGrpSpPr>
+      <p:grpSpPr>
+        <a:xfrm>
+          <a:off x="0" y="0"/>
+          <a:ext cx="0" cy="0"/>
+          <a:chOff x="0" y="0"/>
+          <a:chExt cx="0" cy="0"/>
+        </a:xfrm>
+      </p:grpSpPr>
+      <p:sp>
+        <p:nvSpPr>
+          <p:cNvPr id="2" name="Title 1">
+            <a:extLst>
+              <a:ext uri="{FF2B5EF4-FFF2-40B4-BE49-F238E27FC236}">
+                <a16:creationId xmlns:a16="http://schemas.microsoft.com/office/drawing/2014/main" id="{918CCACB-578D-FA4B-BD63-4C262D19B75D}"/>
+              </a:ext>
+            </a:extLst>
+          </p:cNvPr>
+          <p:cNvSpPr>
+            <a:spLocks noGrp="1"/>
+          </p:cNvSpPr>
+          <p:nvPr>
+            <p:ph type="title"/>
+          </p:nvPr>
+        </p:nvSpPr>
+        <p:spPr/>
+        <p:txBody>
+          <a:bodyPr/>
+          <a:lstStyle/>
+          <a:p>
+            <a:endParaRPr lang="en-US"/>
+          </a:p>
+        </p:txBody>
+      </p:sp>
+      <p:sp>
+        <p:nvSpPr>
+          <p:cNvPr id="3" name="Content Placeholder 2">
+            <a:extLst>
+              <a:ext uri="{FF2B5EF4-FFF2-40B4-BE49-F238E27FC236}">
+                <a16:creationId xmlns:a16="http://schemas.microsoft.com/office/drawing/2014/main" id="{235A1124-512D-2440-A513-ADFBDFA82A9F}"/>
+              </a:ext>
+            </a:extLst>
+          </p:cNvPr>
+          <p:cNvSpPr>
+            <a:spLocks noGrp="1"/>
+          </p:cNvSpPr>
+          <p:nvPr>
+            <p:ph idx="1"/>
+          </p:nvPr>
+        </p:nvSpPr>
+        <p:spPr/>
+        <p:txBody>
+          <a:bodyPr/>
+          <a:lstStyle/>
+          <a:p>
+            <a:endParaRPr lang="en-US"/>
+          </a:p>
+        </p:txBody>
+      </p:sp>
+    </p:spTree>
+    <p:extLst>
+      <p:ext uri="{BB962C8B-B14F-4D97-AF65-F5344CB8AC3E}">
+        <p14:creationId xmlns:p14="http://schemas.microsoft.com/office/powerpoint/2010/main" val="1493675189"/>
       </p:ext>
     </p:extLst>
   </p:cSld>
@@ -6027,7 +6319,7 @@
           <a:p>
             <a:r>
               <a:rPr lang="en-US" dirty="0"/>
-              <a:t>Predicting an Airbnb price with a  machine learning model using property descriptors from Inside Airbnb.</a:t>
+              <a:t>Predicting an Airbnb price with a  machine learning, deep learning, and deep learning neural network models using property descriptors from anti-Airbnb website Inside Airbnb.</a:t>
             </a:r>
           </a:p>
           <a:p>
@@ -6272,40 +6564,52 @@
             <p:ph type="title"/>
           </p:nvPr>
         </p:nvSpPr>
-        <p:spPr/>
+        <p:spPr>
+          <a:xfrm>
+            <a:off x="1295402" y="739739"/>
+            <a:ext cx="9601196" cy="1094197"/>
+          </a:xfrm>
+        </p:spPr>
         <p:txBody>
           <a:bodyPr/>
           <a:lstStyle/>
           <a:p>
-            <a:endParaRPr lang="en-US"/>
-          </a:p>
-        </p:txBody>
-      </p:sp>
-      <p:sp>
-        <p:nvSpPr>
-          <p:cNvPr id="3" name="Content Placeholder 2">
+            <a:r>
+              <a:rPr lang="en-US" dirty="0"/>
+              <a:t>Linear Regression Model</a:t>
+            </a:r>
+          </a:p>
+        </p:txBody>
+      </p:sp>
+      <p:pic>
+        <p:nvPicPr>
+          <p:cNvPr id="5" name="Content Placeholder 4">
             <a:extLst>
               <a:ext uri="{FF2B5EF4-FFF2-40B4-BE49-F238E27FC236}">
-                <a16:creationId xmlns:a16="http://schemas.microsoft.com/office/drawing/2014/main" id="{EACEC073-AF27-FC47-8D48-0C7B095107F6}"/>
+                <a16:creationId xmlns:a16="http://schemas.microsoft.com/office/drawing/2014/main" id="{82B4FA92-4034-924F-96DC-CAE3257F3826}"/>
               </a:ext>
             </a:extLst>
           </p:cNvPr>
-          <p:cNvSpPr>
-            <a:spLocks noGrp="1"/>
-          </p:cNvSpPr>
+          <p:cNvPicPr>
+            <a:picLocks noGrp="1" noChangeAspect="1"/>
+          </p:cNvPicPr>
           <p:nvPr>
             <p:ph idx="1"/>
           </p:nvPr>
-        </p:nvSpPr>
-        <p:spPr/>
-        <p:txBody>
-          <a:bodyPr/>
-          <a:lstStyle/>
-          <a:p>
-            <a:endParaRPr lang="en-US"/>
-          </a:p>
-        </p:txBody>
-      </p:sp>
+        </p:nvPicPr>
+        <p:blipFill>
+          <a:blip r:embed="rId2"/>
+          <a:stretch>
+            <a:fillRect/>
+          </a:stretch>
+        </p:blipFill>
+        <p:spPr>
+          <a:xfrm>
+            <a:off x="3032886" y="1833936"/>
+            <a:ext cx="6126227" cy="4192485"/>
+          </a:xfrm>
+        </p:spPr>
+      </p:pic>
     </p:spTree>
     <p:extLst>
       <p:ext uri="{BB962C8B-B14F-4D97-AF65-F5344CB8AC3E}">
@@ -6352,40 +6656,52 @@
             <p:ph type="title"/>
           </p:nvPr>
         </p:nvSpPr>
-        <p:spPr/>
+        <p:spPr>
+          <a:xfrm>
+            <a:off x="1295401" y="688368"/>
+            <a:ext cx="9601196" cy="950359"/>
+          </a:xfrm>
+        </p:spPr>
         <p:txBody>
           <a:bodyPr/>
           <a:lstStyle/>
           <a:p>
-            <a:endParaRPr lang="en-US"/>
-          </a:p>
-        </p:txBody>
-      </p:sp>
-      <p:sp>
-        <p:nvSpPr>
-          <p:cNvPr id="3" name="Content Placeholder 2">
+            <a:r>
+              <a:rPr lang="en-US" dirty="0"/>
+              <a:t>Linear Regression Model</a:t>
+            </a:r>
+          </a:p>
+        </p:txBody>
+      </p:sp>
+      <p:pic>
+        <p:nvPicPr>
+          <p:cNvPr id="9" name="Content Placeholder 8">
             <a:extLst>
               <a:ext uri="{FF2B5EF4-FFF2-40B4-BE49-F238E27FC236}">
-                <a16:creationId xmlns:a16="http://schemas.microsoft.com/office/drawing/2014/main" id="{CB3C9F7F-AD1A-4441-92A2-4DAB090C8189}"/>
+                <a16:creationId xmlns:a16="http://schemas.microsoft.com/office/drawing/2014/main" id="{E31D924F-040B-A240-B174-5EAA6FCDE7C9}"/>
               </a:ext>
             </a:extLst>
           </p:cNvPr>
-          <p:cNvSpPr>
-            <a:spLocks noGrp="1"/>
-          </p:cNvSpPr>
+          <p:cNvPicPr>
+            <a:picLocks noGrp="1" noChangeAspect="1"/>
+          </p:cNvPicPr>
           <p:nvPr>
             <p:ph idx="1"/>
           </p:nvPr>
-        </p:nvSpPr>
-        <p:spPr/>
-        <p:txBody>
-          <a:bodyPr/>
-          <a:lstStyle/>
-          <a:p>
-            <a:endParaRPr lang="en-US"/>
-          </a:p>
-        </p:txBody>
-      </p:sp>
+        </p:nvPicPr>
+        <p:blipFill>
+          <a:blip r:embed="rId2"/>
+          <a:stretch>
+            <a:fillRect/>
+          </a:stretch>
+        </p:blipFill>
+        <p:spPr>
+          <a:xfrm>
+            <a:off x="3282429" y="1638727"/>
+            <a:ext cx="5627139" cy="4236611"/>
+          </a:xfrm>
+        </p:spPr>
+      </p:pic>
     </p:spTree>
     <p:extLst>
       <p:ext uri="{BB962C8B-B14F-4D97-AF65-F5344CB8AC3E}">
@@ -6432,44 +6748,270 @@
             <p:ph type="title"/>
           </p:nvPr>
         </p:nvSpPr>
-        <p:spPr/>
+        <p:spPr>
+          <a:xfrm>
+            <a:off x="1295400" y="606176"/>
+            <a:ext cx="9601196" cy="1155841"/>
+          </a:xfrm>
+        </p:spPr>
         <p:txBody>
           <a:bodyPr/>
           <a:lstStyle/>
           <a:p>
-            <a:endParaRPr lang="en-US"/>
-          </a:p>
-        </p:txBody>
-      </p:sp>
-      <p:sp>
-        <p:nvSpPr>
-          <p:cNvPr id="3" name="Content Placeholder 2">
+            <a:r>
+              <a:rPr lang="en-US" dirty="0"/>
+              <a:t>Linear Regression Scores</a:t>
+            </a:r>
+          </a:p>
+        </p:txBody>
+      </p:sp>
+      <p:pic>
+        <p:nvPicPr>
+          <p:cNvPr id="5" name="Content Placeholder 4">
             <a:extLst>
               <a:ext uri="{FF2B5EF4-FFF2-40B4-BE49-F238E27FC236}">
-                <a16:creationId xmlns:a16="http://schemas.microsoft.com/office/drawing/2014/main" id="{DFE106E9-182D-4444-8EFD-C988F1634228}"/>
+                <a16:creationId xmlns:a16="http://schemas.microsoft.com/office/drawing/2014/main" id="{5DF72CE5-A91D-CD4C-A7A8-B22D217EA613}"/>
               </a:ext>
             </a:extLst>
           </p:cNvPr>
-          <p:cNvSpPr>
-            <a:spLocks noGrp="1"/>
-          </p:cNvSpPr>
+          <p:cNvPicPr>
+            <a:picLocks noGrp="1" noChangeAspect="1"/>
+          </p:cNvPicPr>
           <p:nvPr>
             <p:ph idx="1"/>
           </p:nvPr>
-        </p:nvSpPr>
-        <p:spPr/>
-        <p:txBody>
-          <a:bodyPr/>
-          <a:lstStyle/>
-          <a:p>
-            <a:endParaRPr lang="en-US"/>
-          </a:p>
-        </p:txBody>
-      </p:sp>
+        </p:nvPicPr>
+        <p:blipFill>
+          <a:blip r:embed="rId2"/>
+          <a:stretch>
+            <a:fillRect/>
+          </a:stretch>
+        </p:blipFill>
+        <p:spPr>
+          <a:xfrm>
+            <a:off x="3563745" y="1609009"/>
+            <a:ext cx="5064507" cy="4245781"/>
+          </a:xfrm>
+        </p:spPr>
+      </p:pic>
     </p:spTree>
     <p:extLst>
       <p:ext uri="{BB962C8B-B14F-4D97-AF65-F5344CB8AC3E}">
         <p14:creationId xmlns:p14="http://schemas.microsoft.com/office/powerpoint/2010/main" val="1200954615"/>
+      </p:ext>
+    </p:extLst>
+  </p:cSld>
+  <p:clrMapOvr>
+    <a:masterClrMapping/>
+  </p:clrMapOvr>
+</p:sld>
+</file>
+
+<file path=ppt/slides/slide8.xml><?xml version="1.0" encoding="utf-8"?>
+<p:sld xmlns:a="http://schemas.openxmlformats.org/drawingml/2006/main" xmlns:r="http://schemas.openxmlformats.org/officeDocument/2006/relationships" xmlns:p="http://schemas.openxmlformats.org/presentationml/2006/main">
+  <p:cSld>
+    <p:spTree>
+      <p:nvGrpSpPr>
+        <p:cNvPr id="1" name=""/>
+        <p:cNvGrpSpPr/>
+        <p:nvPr/>
+      </p:nvGrpSpPr>
+      <p:grpSpPr>
+        <a:xfrm>
+          <a:off x="0" y="0"/>
+          <a:ext cx="0" cy="0"/>
+          <a:chOff x="0" y="0"/>
+          <a:chExt cx="0" cy="0"/>
+        </a:xfrm>
+      </p:grpSpPr>
+      <p:sp>
+        <p:nvSpPr>
+          <p:cNvPr id="2" name="Title 1">
+            <a:extLst>
+              <a:ext uri="{FF2B5EF4-FFF2-40B4-BE49-F238E27FC236}">
+                <a16:creationId xmlns:a16="http://schemas.microsoft.com/office/drawing/2014/main" id="{9F1A8374-1979-9746-9A3C-8054AF661307}"/>
+              </a:ext>
+            </a:extLst>
+          </p:cNvPr>
+          <p:cNvSpPr>
+            <a:spLocks noGrp="1"/>
+          </p:cNvSpPr>
+          <p:nvPr>
+            <p:ph type="title"/>
+          </p:nvPr>
+        </p:nvSpPr>
+        <p:spPr>
+          <a:xfrm>
+            <a:off x="1295401" y="626724"/>
+            <a:ext cx="9601196" cy="919536"/>
+          </a:xfrm>
+        </p:spPr>
+        <p:txBody>
+          <a:bodyPr/>
+          <a:lstStyle/>
+          <a:p>
+            <a:r>
+              <a:rPr lang="en-US" dirty="0"/>
+              <a:t>Scaling the Data</a:t>
+            </a:r>
+          </a:p>
+        </p:txBody>
+      </p:sp>
+      <p:pic>
+        <p:nvPicPr>
+          <p:cNvPr id="5" name="Content Placeholder 4">
+            <a:extLst>
+              <a:ext uri="{FF2B5EF4-FFF2-40B4-BE49-F238E27FC236}">
+                <a16:creationId xmlns:a16="http://schemas.microsoft.com/office/drawing/2014/main" id="{A94072C8-9C47-C944-A3FB-94C24D37BCEA}"/>
+              </a:ext>
+            </a:extLst>
+          </p:cNvPr>
+          <p:cNvPicPr>
+            <a:picLocks noGrp="1" noChangeAspect="1"/>
+          </p:cNvPicPr>
+          <p:nvPr>
+            <p:ph idx="1"/>
+          </p:nvPr>
+        </p:nvPicPr>
+        <p:blipFill>
+          <a:blip r:embed="rId2"/>
+          <a:stretch>
+            <a:fillRect/>
+          </a:stretch>
+        </p:blipFill>
+        <p:spPr>
+          <a:xfrm>
+            <a:off x="1295401" y="2608604"/>
+            <a:ext cx="9601200" cy="2475854"/>
+          </a:xfrm>
+        </p:spPr>
+      </p:pic>
+    </p:spTree>
+    <p:extLst>
+      <p:ext uri="{BB962C8B-B14F-4D97-AF65-F5344CB8AC3E}">
+        <p14:creationId xmlns:p14="http://schemas.microsoft.com/office/powerpoint/2010/main" val="1741161214"/>
+      </p:ext>
+    </p:extLst>
+  </p:cSld>
+  <p:clrMapOvr>
+    <a:masterClrMapping/>
+  </p:clrMapOvr>
+</p:sld>
+</file>
+
+<file path=ppt/slides/slide9.xml><?xml version="1.0" encoding="utf-8"?>
+<p:sld xmlns:a="http://schemas.openxmlformats.org/drawingml/2006/main" xmlns:r="http://schemas.openxmlformats.org/officeDocument/2006/relationships" xmlns:p="http://schemas.openxmlformats.org/presentationml/2006/main">
+  <p:cSld>
+    <p:spTree>
+      <p:nvGrpSpPr>
+        <p:cNvPr id="1" name=""/>
+        <p:cNvGrpSpPr/>
+        <p:nvPr/>
+      </p:nvGrpSpPr>
+      <p:grpSpPr>
+        <a:xfrm>
+          <a:off x="0" y="0"/>
+          <a:ext cx="0" cy="0"/>
+          <a:chOff x="0" y="0"/>
+          <a:chExt cx="0" cy="0"/>
+        </a:xfrm>
+      </p:grpSpPr>
+      <p:sp>
+        <p:nvSpPr>
+          <p:cNvPr id="2" name="Title 1">
+            <a:extLst>
+              <a:ext uri="{FF2B5EF4-FFF2-40B4-BE49-F238E27FC236}">
+                <a16:creationId xmlns:a16="http://schemas.microsoft.com/office/drawing/2014/main" id="{BCEC88FA-57CC-4F44-A987-995AAC08C614}"/>
+              </a:ext>
+            </a:extLst>
+          </p:cNvPr>
+          <p:cNvSpPr>
+            <a:spLocks noGrp="1"/>
+          </p:cNvSpPr>
+          <p:nvPr>
+            <p:ph type="title"/>
+          </p:nvPr>
+        </p:nvSpPr>
+        <p:spPr>
+          <a:xfrm>
+            <a:off x="1295401" y="606175"/>
+            <a:ext cx="9601196" cy="970907"/>
+          </a:xfrm>
+        </p:spPr>
+        <p:txBody>
+          <a:bodyPr/>
+          <a:lstStyle/>
+          <a:p>
+            <a:r>
+              <a:rPr lang="en-US" dirty="0"/>
+              <a:t>Single Layer Neural Network</a:t>
+            </a:r>
+          </a:p>
+        </p:txBody>
+      </p:sp>
+      <p:pic>
+        <p:nvPicPr>
+          <p:cNvPr id="5" name="Content Placeholder 4">
+            <a:extLst>
+              <a:ext uri="{FF2B5EF4-FFF2-40B4-BE49-F238E27FC236}">
+                <a16:creationId xmlns:a16="http://schemas.microsoft.com/office/drawing/2014/main" id="{4D3CD930-B93D-344D-A8ED-6A6666195EDD}"/>
+              </a:ext>
+            </a:extLst>
+          </p:cNvPr>
+          <p:cNvPicPr>
+            <a:picLocks noGrp="1" noChangeAspect="1"/>
+          </p:cNvPicPr>
+          <p:nvPr>
+            <p:ph idx="1"/>
+          </p:nvPr>
+        </p:nvPicPr>
+        <p:blipFill>
+          <a:blip r:embed="rId2"/>
+          <a:stretch>
+            <a:fillRect/>
+          </a:stretch>
+        </p:blipFill>
+        <p:spPr>
+          <a:xfrm>
+            <a:off x="1726060" y="1583214"/>
+            <a:ext cx="3447361" cy="4375931"/>
+          </a:xfrm>
+        </p:spPr>
+      </p:pic>
+      <p:pic>
+        <p:nvPicPr>
+          <p:cNvPr id="7" name="Picture 6">
+            <a:extLst>
+              <a:ext uri="{FF2B5EF4-FFF2-40B4-BE49-F238E27FC236}">
+                <a16:creationId xmlns:a16="http://schemas.microsoft.com/office/drawing/2014/main" id="{3E6F260F-017E-F84F-8608-A38A40CA3786}"/>
+              </a:ext>
+            </a:extLst>
+          </p:cNvPr>
+          <p:cNvPicPr>
+            <a:picLocks noChangeAspect="1"/>
+          </p:cNvPicPr>
+          <p:nvPr/>
+        </p:nvPicPr>
+        <p:blipFill>
+          <a:blip r:embed="rId3"/>
+          <a:stretch>
+            <a:fillRect/>
+          </a:stretch>
+        </p:blipFill>
+        <p:spPr>
+          <a:xfrm>
+            <a:off x="6187968" y="3180847"/>
+            <a:ext cx="4254500" cy="1168400"/>
+          </a:xfrm>
+          <a:prstGeom prst="rect">
+            <a:avLst/>
+          </a:prstGeom>
+        </p:spPr>
+      </p:pic>
+    </p:spTree>
+    <p:extLst>
+      <p:ext uri="{BB962C8B-B14F-4D97-AF65-F5344CB8AC3E}">
+        <p14:creationId xmlns:p14="http://schemas.microsoft.com/office/powerpoint/2010/main" val="2365145938"/>
       </p:ext>
     </p:extLst>
   </p:cSld>

--- a/Presentation1.pptx
+++ b/Presentation1.pptx
@@ -6319,8 +6319,17 @@
           <a:p>
             <a:r>
               <a:rPr lang="en-US" dirty="0"/>
-              <a:t>Predicting an Airbnb price with a  machine learning, deep learning, and deep learning neural network models using property descriptors from anti-Airbnb website Inside Airbnb.</a:t>
-            </a:r>
+              <a:t>Predicting an Airbnb price with a  machine learning linear regression model and neural network (single/multiple layer) model using property descriptors from anti-Airbnb website Inside Airbnb as the basis to train the models.</a:t>
+            </a:r>
+          </a:p>
+          <a:p>
+            <a:r>
+              <a:rPr lang="en-US" dirty="0"/>
+              <a:t>Using the prediction model we created to predicate the price and placing the predicated price with additional location specific information onto a map via Tableau. So that users can simply hover over a flag to see information about the Airbnb property.</a:t>
+            </a:r>
+          </a:p>
+          <a:p>
+            <a:endParaRPr lang="en-US" dirty="0"/>
           </a:p>
           <a:p>
             <a:endParaRPr lang="en-US" dirty="0"/>
